--- a/documents/pipeline.pptx
+++ b/documents/pipeline.pptx
@@ -243,7 +243,7 @@
           <a:p>
             <a:fld id="{36F38042-AB14-4E7B-951B-094E6479EBA1}" type="datetimeFigureOut">
               <a:rPr lang="en-US" smtClean="0"/>
-              <a:t>1/5/2021</a:t>
+              <a:t>1/6/2021</a:t>
             </a:fld>
             <a:endParaRPr lang="en-US"/>
           </a:p>
@@ -413,7 +413,7 @@
           <a:p>
             <a:fld id="{36F38042-AB14-4E7B-951B-094E6479EBA1}" type="datetimeFigureOut">
               <a:rPr lang="en-US" smtClean="0"/>
-              <a:t>1/5/2021</a:t>
+              <a:t>1/6/2021</a:t>
             </a:fld>
             <a:endParaRPr lang="en-US"/>
           </a:p>
@@ -593,7 +593,7 @@
           <a:p>
             <a:fld id="{36F38042-AB14-4E7B-951B-094E6479EBA1}" type="datetimeFigureOut">
               <a:rPr lang="en-US" smtClean="0"/>
-              <a:t>1/5/2021</a:t>
+              <a:t>1/6/2021</a:t>
             </a:fld>
             <a:endParaRPr lang="en-US"/>
           </a:p>
@@ -763,7 +763,7 @@
           <a:p>
             <a:fld id="{36F38042-AB14-4E7B-951B-094E6479EBA1}" type="datetimeFigureOut">
               <a:rPr lang="en-US" smtClean="0"/>
-              <a:t>1/5/2021</a:t>
+              <a:t>1/6/2021</a:t>
             </a:fld>
             <a:endParaRPr lang="en-US"/>
           </a:p>
@@ -1009,7 +1009,7 @@
           <a:p>
             <a:fld id="{36F38042-AB14-4E7B-951B-094E6479EBA1}" type="datetimeFigureOut">
               <a:rPr lang="en-US" smtClean="0"/>
-              <a:t>1/5/2021</a:t>
+              <a:t>1/6/2021</a:t>
             </a:fld>
             <a:endParaRPr lang="en-US"/>
           </a:p>
@@ -1241,7 +1241,7 @@
           <a:p>
             <a:fld id="{36F38042-AB14-4E7B-951B-094E6479EBA1}" type="datetimeFigureOut">
               <a:rPr lang="en-US" smtClean="0"/>
-              <a:t>1/5/2021</a:t>
+              <a:t>1/6/2021</a:t>
             </a:fld>
             <a:endParaRPr lang="en-US"/>
           </a:p>
@@ -1608,7 +1608,7 @@
           <a:p>
             <a:fld id="{36F38042-AB14-4E7B-951B-094E6479EBA1}" type="datetimeFigureOut">
               <a:rPr lang="en-US" smtClean="0"/>
-              <a:t>1/5/2021</a:t>
+              <a:t>1/6/2021</a:t>
             </a:fld>
             <a:endParaRPr lang="en-US"/>
           </a:p>
@@ -1726,7 +1726,7 @@
           <a:p>
             <a:fld id="{36F38042-AB14-4E7B-951B-094E6479EBA1}" type="datetimeFigureOut">
               <a:rPr lang="en-US" smtClean="0"/>
-              <a:t>1/5/2021</a:t>
+              <a:t>1/6/2021</a:t>
             </a:fld>
             <a:endParaRPr lang="en-US"/>
           </a:p>
@@ -1821,7 +1821,7 @@
           <a:p>
             <a:fld id="{36F38042-AB14-4E7B-951B-094E6479EBA1}" type="datetimeFigureOut">
               <a:rPr lang="en-US" smtClean="0"/>
-              <a:t>1/5/2021</a:t>
+              <a:t>1/6/2021</a:t>
             </a:fld>
             <a:endParaRPr lang="en-US"/>
           </a:p>
@@ -2098,7 +2098,7 @@
           <a:p>
             <a:fld id="{36F38042-AB14-4E7B-951B-094E6479EBA1}" type="datetimeFigureOut">
               <a:rPr lang="en-US" smtClean="0"/>
-              <a:t>1/5/2021</a:t>
+              <a:t>1/6/2021</a:t>
             </a:fld>
             <a:endParaRPr lang="en-US"/>
           </a:p>
@@ -2351,7 +2351,7 @@
           <a:p>
             <a:fld id="{36F38042-AB14-4E7B-951B-094E6479EBA1}" type="datetimeFigureOut">
               <a:rPr lang="en-US" smtClean="0"/>
-              <a:t>1/5/2021</a:t>
+              <a:t>1/6/2021</a:t>
             </a:fld>
             <a:endParaRPr lang="en-US"/>
           </a:p>
@@ -2564,7 +2564,7 @@
           <a:p>
             <a:fld id="{36F38042-AB14-4E7B-951B-094E6479EBA1}" type="datetimeFigureOut">
               <a:rPr lang="en-US" smtClean="0"/>
-              <a:t>1/5/2021</a:t>
+              <a:t>1/6/2021</a:t>
             </a:fld>
             <a:endParaRPr lang="en-US"/>
           </a:p>
@@ -2984,10 +2984,9 @@
             <a:avLst/>
           </a:prstGeom>
           <a:solidFill>
-            <a:schemeClr val="accent3">
-              <a:lumMod val="40000"/>
-              <a:lumOff val="60000"/>
-            </a:schemeClr>
+            <a:srgbClr val="A2B6BB">
+              <a:alpha val="65000"/>
+            </a:srgbClr>
           </a:solidFill>
           <a:ln>
             <a:noFill/>
@@ -3033,10 +3032,9 @@
             <a:avLst/>
           </a:prstGeom>
           <a:solidFill>
-            <a:schemeClr val="accent2">
-              <a:lumMod val="40000"/>
-              <a:lumOff val="60000"/>
-            </a:schemeClr>
+            <a:srgbClr val="EE854A">
+              <a:alpha val="65000"/>
+            </a:srgbClr>
           </a:solidFill>
           <a:ln>
             <a:noFill/>
@@ -3082,10 +3080,9 @@
             <a:avLst/>
           </a:prstGeom>
           <a:solidFill>
-            <a:schemeClr val="accent1">
-              <a:lumMod val="40000"/>
-              <a:lumOff val="60000"/>
-            </a:schemeClr>
+            <a:srgbClr val="64B5CD">
+              <a:alpha val="65000"/>
+            </a:srgbClr>
           </a:solidFill>
           <a:ln>
             <a:noFill/>
@@ -3131,10 +3128,9 @@
             <a:avLst/>
           </a:prstGeom>
           <a:solidFill>
-            <a:schemeClr val="tx2">
-              <a:lumMod val="40000"/>
-              <a:lumOff val="60000"/>
-            </a:schemeClr>
+            <a:srgbClr val="6885B4">
+              <a:alpha val="65000"/>
+            </a:srgbClr>
           </a:solidFill>
           <a:ln>
             <a:noFill/>
@@ -3941,7 +3937,7 @@
           <a:prstGeom prst="straightConnector1">
             <a:avLst/>
           </a:prstGeom>
-          <a:ln>
+          <a:ln w="19050">
             <a:solidFill>
               <a:schemeClr val="tx1"/>
             </a:solidFill>
@@ -3977,7 +3973,7 @@
           <a:prstGeom prst="straightConnector1">
             <a:avLst/>
           </a:prstGeom>
-          <a:ln>
+          <a:ln w="19050">
             <a:solidFill>
               <a:schemeClr val="tx1"/>
             </a:solidFill>
@@ -4013,7 +4009,7 @@
           <a:prstGeom prst="straightConnector1">
             <a:avLst/>
           </a:prstGeom>
-          <a:ln>
+          <a:ln w="19050">
             <a:solidFill>
               <a:schemeClr val="tx1"/>
             </a:solidFill>
@@ -4049,7 +4045,7 @@
           <a:prstGeom prst="straightConnector1">
             <a:avLst/>
           </a:prstGeom>
-          <a:ln>
+          <a:ln w="19050">
             <a:solidFill>
               <a:schemeClr val="tx1"/>
             </a:solidFill>
@@ -4123,13 +4119,6 @@
               </a:rPr>
               <a:t>Reasoning</a:t>
             </a:r>
-            <a:endParaRPr lang="en-US" sz="2000" dirty="0" smtClean="0">
-              <a:solidFill>
-                <a:schemeClr val="tx1"/>
-              </a:solidFill>
-              <a:latin typeface="Times New Roman" panose="02020603050405020304" pitchFamily="18" charset="0"/>
-              <a:cs typeface="Times New Roman" panose="02020603050405020304" pitchFamily="18" charset="0"/>
-            </a:endParaRPr>
           </a:p>
           <a:p>
             <a:pPr algn="ctr"/>
@@ -4205,13 +4194,6 @@
               </a:rPr>
               <a:t>Game Move</a:t>
             </a:r>
-            <a:endParaRPr lang="en-US" sz="2000" dirty="0" smtClean="0">
-              <a:solidFill>
-                <a:schemeClr val="tx1"/>
-              </a:solidFill>
-              <a:latin typeface="Times New Roman" panose="02020603050405020304" pitchFamily="18" charset="0"/>
-              <a:cs typeface="Times New Roman" panose="02020603050405020304" pitchFamily="18" charset="0"/>
-            </a:endParaRPr>
           </a:p>
           <a:p>
             <a:pPr algn="ctr"/>
@@ -4287,13 +4269,6 @@
               </a:rPr>
               <a:t>Rapport</a:t>
             </a:r>
-            <a:endParaRPr lang="en-US" sz="2000" dirty="0" smtClean="0">
-              <a:solidFill>
-                <a:schemeClr val="tx1"/>
-              </a:solidFill>
-              <a:latin typeface="Times New Roman" panose="02020603050405020304" pitchFamily="18" charset="0"/>
-              <a:cs typeface="Times New Roman" panose="02020603050405020304" pitchFamily="18" charset="0"/>
-            </a:endParaRPr>
           </a:p>
           <a:p>
             <a:pPr algn="ctr"/>
